--- a/pre/Android Fragment爬坑记.pptx
+++ b/pre/Android Fragment爬坑记.pptx
@@ -8652,7 +8652,7 @@
         </p:blipFill>
         <p:spPr>
           <a:xfrm>
-            <a:off x="6817360" y="932815"/>
+            <a:off x="4675505" y="867410"/>
             <a:ext cx="5542915" cy="5123815"/>
           </a:xfrm>
           <a:prstGeom prst="rect">
